--- a/powerpoint files/Session4.pptx
+++ b/powerpoint files/Session4.pptx
@@ -126,7 +126,18 @@
   </p:defaultTextStyle>
   <p:extLst>
     <p:ext uri="{EFAFB233-063F-42B5-8137-9DF3F51BA10A}">
-      <p15:sldGuideLst xmlns:p15="http://schemas.microsoft.com/office/powerpoint/2012/main" xmlns=""/>
+      <p15:sldGuideLst xmlns:p15="http://schemas.microsoft.com/office/powerpoint/2012/main">
+        <p15:guide id="1" orient="horz" pos="2160">
+          <p15:clr>
+            <a:srgbClr val="A4A3A4"/>
+          </p15:clr>
+        </p15:guide>
+        <p15:guide id="2" pos="2880">
+          <p15:clr>
+            <a:srgbClr val="A4A3A4"/>
+          </p15:clr>
+        </p15:guide>
+      </p15:sldGuideLst>
     </p:ext>
   </p:extLst>
 </p:presentation>
@@ -1544,7 +1555,7 @@
           <a:p>
             <a:fld id="{927AE14A-E53B-F74F-B5AA-37C2AC2703D1}" type="datetimeFigureOut">
               <a:rPr lang="en-US" smtClean="0"/>
-              <a:t>20/07/21</a:t>
+              <a:t>11/22/2021</a:t>
             </a:fld>
             <a:endParaRPr lang="en-US"/>
           </a:p>
@@ -1714,7 +1725,7 @@
           <a:p>
             <a:fld id="{927AE14A-E53B-F74F-B5AA-37C2AC2703D1}" type="datetimeFigureOut">
               <a:rPr lang="en-US" smtClean="0"/>
-              <a:t>20/07/21</a:t>
+              <a:t>11/22/2021</a:t>
             </a:fld>
             <a:endParaRPr lang="en-US"/>
           </a:p>
@@ -1894,7 +1905,7 @@
           <a:p>
             <a:fld id="{927AE14A-E53B-F74F-B5AA-37C2AC2703D1}" type="datetimeFigureOut">
               <a:rPr lang="en-US" smtClean="0"/>
-              <a:t>20/07/21</a:t>
+              <a:t>11/22/2021</a:t>
             </a:fld>
             <a:endParaRPr lang="en-US"/>
           </a:p>
@@ -2255,7 +2266,7 @@
           <a:p>
             <a:fld id="{927AE14A-E53B-F74F-B5AA-37C2AC2703D1}" type="datetimeFigureOut">
               <a:rPr lang="en-US" smtClean="0"/>
-              <a:t>20/07/21</a:t>
+              <a:t>11/22/2021</a:t>
             </a:fld>
             <a:endParaRPr lang="en-US"/>
           </a:p>
@@ -2501,7 +2512,7 @@
           <a:p>
             <a:fld id="{927AE14A-E53B-F74F-B5AA-37C2AC2703D1}" type="datetimeFigureOut">
               <a:rPr lang="en-US" smtClean="0"/>
-              <a:t>20/07/21</a:t>
+              <a:t>11/22/2021</a:t>
             </a:fld>
             <a:endParaRPr lang="en-US"/>
           </a:p>
@@ -2789,7 +2800,7 @@
           <a:p>
             <a:fld id="{927AE14A-E53B-F74F-B5AA-37C2AC2703D1}" type="datetimeFigureOut">
               <a:rPr lang="en-US" smtClean="0"/>
-              <a:t>20/07/21</a:t>
+              <a:t>11/22/2021</a:t>
             </a:fld>
             <a:endParaRPr lang="en-US"/>
           </a:p>
@@ -3211,7 +3222,7 @@
           <a:p>
             <a:fld id="{927AE14A-E53B-F74F-B5AA-37C2AC2703D1}" type="datetimeFigureOut">
               <a:rPr lang="en-US" smtClean="0"/>
-              <a:t>20/07/21</a:t>
+              <a:t>11/22/2021</a:t>
             </a:fld>
             <a:endParaRPr lang="en-US"/>
           </a:p>
@@ -3329,7 +3340,7 @@
           <a:p>
             <a:fld id="{927AE14A-E53B-F74F-B5AA-37C2AC2703D1}" type="datetimeFigureOut">
               <a:rPr lang="en-US" smtClean="0"/>
-              <a:t>20/07/21</a:t>
+              <a:t>11/22/2021</a:t>
             </a:fld>
             <a:endParaRPr lang="en-US"/>
           </a:p>
@@ -3424,7 +3435,7 @@
           <a:p>
             <a:fld id="{927AE14A-E53B-F74F-B5AA-37C2AC2703D1}" type="datetimeFigureOut">
               <a:rPr lang="en-US" smtClean="0"/>
-              <a:t>20/07/21</a:t>
+              <a:t>11/22/2021</a:t>
             </a:fld>
             <a:endParaRPr lang="en-US"/>
           </a:p>
@@ -3701,7 +3712,7 @@
           <a:p>
             <a:fld id="{927AE14A-E53B-F74F-B5AA-37C2AC2703D1}" type="datetimeFigureOut">
               <a:rPr lang="en-US" smtClean="0"/>
-              <a:t>20/07/21</a:t>
+              <a:t>11/22/2021</a:t>
             </a:fld>
             <a:endParaRPr lang="en-US"/>
           </a:p>
@@ -3954,7 +3965,7 @@
           <a:p>
             <a:fld id="{927AE14A-E53B-F74F-B5AA-37C2AC2703D1}" type="datetimeFigureOut">
               <a:rPr lang="en-US" smtClean="0"/>
-              <a:t>20/07/21</a:t>
+              <a:t>11/22/2021</a:t>
             </a:fld>
             <a:endParaRPr lang="en-US"/>
           </a:p>
@@ -4167,7 +4178,7 @@
           <a:p>
             <a:fld id="{927AE14A-E53B-F74F-B5AA-37C2AC2703D1}" type="datetimeFigureOut">
               <a:rPr lang="en-US" smtClean="0"/>
-              <a:t>20/07/21</a:t>
+              <a:t>11/22/2021</a:t>
             </a:fld>
             <a:endParaRPr lang="en-US"/>
           </a:p>
@@ -4639,31 +4650,16 @@
           </a:p>
           <a:p>
             <a:r>
-              <a:rPr lang="en-US" dirty="0" smtClean="0">
+              <a:rPr lang="en-US" dirty="0" err="1">
                 <a:cs typeface="Calibri"/>
               </a:rPr>
-              <a:t>20</a:t>
-            </a:r>
-            <a:r>
-              <a:rPr lang="en-US" dirty="0" smtClean="0">
+              <a:t>Michaelmas</a:t>
+            </a:r>
+            <a:r>
+              <a:rPr lang="en-US">
                 <a:cs typeface="Calibri"/>
               </a:rPr>
-              <a:t>/07/</a:t>
-            </a:r>
-            <a:r>
-              <a:rPr lang="en-US" dirty="0">
-                <a:cs typeface="Calibri"/>
-              </a:rPr>
-              <a:t>2021</a:t>
-            </a:r>
-            <a:endParaRPr lang="en-US" dirty="0"/>
-          </a:p>
-          <a:p>
-            <a:r>
-              <a:rPr lang="en-US" dirty="0" smtClean="0">
-                <a:cs typeface="Calibri"/>
-              </a:rPr>
-              <a:t>Summer 2021</a:t>
+              <a:t> 2021</a:t>
             </a:r>
             <a:endParaRPr lang="en-US" dirty="0">
               <a:cs typeface="Calibri"/>
@@ -4706,7 +4702,7 @@
           <p:cNvPr id="2" name="Title 1">
             <a:extLst>
               <a:ext uri="{FF2B5EF4-FFF2-40B4-BE49-F238E27FC236}">
-                <a16:creationId xmlns:a16="http://schemas.microsoft.com/office/drawing/2014/main" xmlns="" id="{EC84C91D-5C9A-4516-BC67-968A5870A641}"/>
+                <a16:creationId xmlns:a16="http://schemas.microsoft.com/office/drawing/2014/main" id="{EC84C91D-5C9A-4516-BC67-968A5870A641}"/>
               </a:ext>
             </a:extLst>
           </p:cNvPr>
@@ -4734,7 +4730,7 @@
           <p:cNvPr id="6" name="Text Placeholder 2">
             <a:extLst>
               <a:ext uri="{FF2B5EF4-FFF2-40B4-BE49-F238E27FC236}">
-                <a16:creationId xmlns:a16="http://schemas.microsoft.com/office/drawing/2014/main" xmlns="" id="{B2492802-8B0C-4827-9851-9AFF7EA821E8}"/>
+                <a16:creationId xmlns:a16="http://schemas.microsoft.com/office/drawing/2014/main" id="{B2492802-8B0C-4827-9851-9AFF7EA821E8}"/>
               </a:ext>
             </a:extLst>
           </p:cNvPr>
@@ -4906,7 +4902,7 @@
           <p:cNvPr id="3" name="Text Placeholder 2">
             <a:extLst>
               <a:ext uri="{FF2B5EF4-FFF2-40B4-BE49-F238E27FC236}">
-                <a16:creationId xmlns:a16="http://schemas.microsoft.com/office/drawing/2014/main" xmlns="" id="{29274757-46F7-4558-8136-A129D0C20963}"/>
+                <a16:creationId xmlns:a16="http://schemas.microsoft.com/office/drawing/2014/main" id="{29274757-46F7-4558-8136-A129D0C20963}"/>
               </a:ext>
             </a:extLst>
           </p:cNvPr>
@@ -4942,7 +4938,7 @@
           <p:cNvPr id="4" name="TextBox 3">
             <a:extLst>
               <a:ext uri="{FF2B5EF4-FFF2-40B4-BE49-F238E27FC236}">
-                <a16:creationId xmlns:a16="http://schemas.microsoft.com/office/drawing/2014/main" xmlns="" id="{38E8650C-36D0-48F4-B8C7-292462182D8B}"/>
+                <a16:creationId xmlns:a16="http://schemas.microsoft.com/office/drawing/2014/main" id="{38E8650C-36D0-48F4-B8C7-292462182D8B}"/>
               </a:ext>
             </a:extLst>
           </p:cNvPr>
@@ -4981,7 +4977,7 @@
           <p:cNvPr id="5" name="TextBox 4">
             <a:extLst>
               <a:ext uri="{FF2B5EF4-FFF2-40B4-BE49-F238E27FC236}">
-                <a16:creationId xmlns:a16="http://schemas.microsoft.com/office/drawing/2014/main" xmlns="" id="{F1D3B5C4-7D4C-4244-AF38-77C59ECC2441}"/>
+                <a16:creationId xmlns:a16="http://schemas.microsoft.com/office/drawing/2014/main" id="{F1D3B5C4-7D4C-4244-AF38-77C59ECC2441}"/>
               </a:ext>
             </a:extLst>
           </p:cNvPr>
@@ -5027,7 +5023,7 @@
           <p:cNvPr id="6" name="Picture 6" descr="Chart, box and whisker chart&#10;&#10;Description automatically generated">
             <a:extLst>
               <a:ext uri="{FF2B5EF4-FFF2-40B4-BE49-F238E27FC236}">
-                <a16:creationId xmlns:a16="http://schemas.microsoft.com/office/drawing/2014/main" xmlns="" id="{7E00FCE2-4B55-4FCA-BF9B-A57685858326}"/>
+                <a16:creationId xmlns:a16="http://schemas.microsoft.com/office/drawing/2014/main" id="{7E00FCE2-4B55-4FCA-BF9B-A57685858326}"/>
               </a:ext>
             </a:extLst>
           </p:cNvPr>
@@ -5057,7 +5053,7 @@
           <p:cNvPr id="7" name="Picture 7" descr="Chart, box and whisker chart&#10;&#10;Description automatically generated">
             <a:extLst>
               <a:ext uri="{FF2B5EF4-FFF2-40B4-BE49-F238E27FC236}">
-                <a16:creationId xmlns:a16="http://schemas.microsoft.com/office/drawing/2014/main" xmlns="" id="{F5E7ED55-BEF1-4450-9EAE-9F66F9E82988}"/>
+                <a16:creationId xmlns:a16="http://schemas.microsoft.com/office/drawing/2014/main" id="{F5E7ED55-BEF1-4450-9EAE-9F66F9E82988}"/>
               </a:ext>
             </a:extLst>
           </p:cNvPr>
@@ -5087,7 +5083,7 @@
           <p:cNvPr id="9" name="Picture 9" descr="Diagram&#10;&#10;Description automatically generated">
             <a:extLst>
               <a:ext uri="{FF2B5EF4-FFF2-40B4-BE49-F238E27FC236}">
-                <a16:creationId xmlns:a16="http://schemas.microsoft.com/office/drawing/2014/main" xmlns="" id="{0DF0B3E1-D8A8-4C24-8510-FAFFDC81195A}"/>
+                <a16:creationId xmlns:a16="http://schemas.microsoft.com/office/drawing/2014/main" id="{0DF0B3E1-D8A8-4C24-8510-FAFFDC81195A}"/>
               </a:ext>
             </a:extLst>
           </p:cNvPr>
@@ -5147,7 +5143,7 @@
           <p:cNvPr id="2" name="Title 1">
             <a:extLst>
               <a:ext uri="{FF2B5EF4-FFF2-40B4-BE49-F238E27FC236}">
-                <a16:creationId xmlns:a16="http://schemas.microsoft.com/office/drawing/2014/main" xmlns="" id="{76A37CC9-F7AD-40FF-8BE4-7799E17E6264}"/>
+                <a16:creationId xmlns:a16="http://schemas.microsoft.com/office/drawing/2014/main" id="{76A37CC9-F7AD-40FF-8BE4-7799E17E6264}"/>
               </a:ext>
             </a:extLst>
           </p:cNvPr>
@@ -5178,7 +5174,7 @@
           <p:cNvPr id="4" name="TextBox 3">
             <a:extLst>
               <a:ext uri="{FF2B5EF4-FFF2-40B4-BE49-F238E27FC236}">
-                <a16:creationId xmlns:a16="http://schemas.microsoft.com/office/drawing/2014/main" xmlns="" id="{1BBF3E59-6AF5-4413-B003-0969D9DDA578}"/>
+                <a16:creationId xmlns:a16="http://schemas.microsoft.com/office/drawing/2014/main" id="{1BBF3E59-6AF5-4413-B003-0969D9DDA578}"/>
               </a:ext>
             </a:extLst>
           </p:cNvPr>
@@ -5216,7 +5212,7 @@
           <p:cNvPr id="5" name="TextBox 4">
             <a:extLst>
               <a:ext uri="{FF2B5EF4-FFF2-40B4-BE49-F238E27FC236}">
-                <a16:creationId xmlns:a16="http://schemas.microsoft.com/office/drawing/2014/main" xmlns="" id="{753665C8-6F50-4907-B88F-812CFB944EC6}"/>
+                <a16:creationId xmlns:a16="http://schemas.microsoft.com/office/drawing/2014/main" id="{753665C8-6F50-4907-B88F-812CFB944EC6}"/>
               </a:ext>
             </a:extLst>
           </p:cNvPr>
@@ -5273,7 +5269,7 @@
           <p:cNvPr id="6" name="TextBox 5">
             <a:extLst>
               <a:ext uri="{FF2B5EF4-FFF2-40B4-BE49-F238E27FC236}">
-                <a16:creationId xmlns:a16="http://schemas.microsoft.com/office/drawing/2014/main" xmlns="" id="{E3113C7A-C618-4E3B-9D57-DB03AFF5FE94}"/>
+                <a16:creationId xmlns:a16="http://schemas.microsoft.com/office/drawing/2014/main" id="{E3113C7A-C618-4E3B-9D57-DB03AFF5FE94}"/>
               </a:ext>
             </a:extLst>
           </p:cNvPr>
@@ -5320,7 +5316,7 @@
           <p:cNvPr id="7" name="TextBox 6">
             <a:extLst>
               <a:ext uri="{FF2B5EF4-FFF2-40B4-BE49-F238E27FC236}">
-                <a16:creationId xmlns:a16="http://schemas.microsoft.com/office/drawing/2014/main" xmlns="" id="{3C0F3381-B5BB-4B68-80B6-41D55999770B}"/>
+                <a16:creationId xmlns:a16="http://schemas.microsoft.com/office/drawing/2014/main" id="{3C0F3381-B5BB-4B68-80B6-41D55999770B}"/>
               </a:ext>
             </a:extLst>
           </p:cNvPr>
@@ -5367,7 +5363,7 @@
           <p:cNvPr id="8" name="Picture 8" descr="Chart, bar chart&#10;&#10;Description automatically generated">
             <a:extLst>
               <a:ext uri="{FF2B5EF4-FFF2-40B4-BE49-F238E27FC236}">
-                <a16:creationId xmlns:a16="http://schemas.microsoft.com/office/drawing/2014/main" xmlns="" id="{262EC7F1-A04F-416D-80D8-A6827EC356F6}"/>
+                <a16:creationId xmlns:a16="http://schemas.microsoft.com/office/drawing/2014/main" id="{262EC7F1-A04F-416D-80D8-A6827EC356F6}"/>
               </a:ext>
             </a:extLst>
           </p:cNvPr>
@@ -5397,7 +5393,7 @@
           <p:cNvPr id="9" name="Picture 9" descr="Chart, bar chart&#10;&#10;Description automatically generated">
             <a:extLst>
               <a:ext uri="{FF2B5EF4-FFF2-40B4-BE49-F238E27FC236}">
-                <a16:creationId xmlns:a16="http://schemas.microsoft.com/office/drawing/2014/main" xmlns="" id="{2CFD9DBE-925D-461D-9FB2-564B486BF9DC}"/>
+                <a16:creationId xmlns:a16="http://schemas.microsoft.com/office/drawing/2014/main" id="{2CFD9DBE-925D-461D-9FB2-564B486BF9DC}"/>
               </a:ext>
             </a:extLst>
           </p:cNvPr>
@@ -5427,7 +5423,7 @@
           <p:cNvPr id="10" name="Picture 10" descr="Chart, bar chart&#10;&#10;Description automatically generated">
             <a:extLst>
               <a:ext uri="{FF2B5EF4-FFF2-40B4-BE49-F238E27FC236}">
-                <a16:creationId xmlns:a16="http://schemas.microsoft.com/office/drawing/2014/main" xmlns="" id="{5F2A9ACE-0C54-4FA4-9F60-72F3C33D3733}"/>
+                <a16:creationId xmlns:a16="http://schemas.microsoft.com/office/drawing/2014/main" id="{5F2A9ACE-0C54-4FA4-9F60-72F3C33D3733}"/>
               </a:ext>
             </a:extLst>
           </p:cNvPr>
@@ -5457,7 +5453,7 @@
           <p:cNvPr id="12" name="TextBox 11">
             <a:extLst>
               <a:ext uri="{FF2B5EF4-FFF2-40B4-BE49-F238E27FC236}">
-                <a16:creationId xmlns:a16="http://schemas.microsoft.com/office/drawing/2014/main" xmlns="" id="{9584E404-325D-414A-9857-174B26465244}"/>
+                <a16:creationId xmlns:a16="http://schemas.microsoft.com/office/drawing/2014/main" id="{9584E404-325D-414A-9857-174B26465244}"/>
               </a:ext>
             </a:extLst>
           </p:cNvPr>
@@ -5529,7 +5525,7 @@
           <p:cNvPr id="2" name="Title 1">
             <a:extLst>
               <a:ext uri="{FF2B5EF4-FFF2-40B4-BE49-F238E27FC236}">
-                <a16:creationId xmlns:a16="http://schemas.microsoft.com/office/drawing/2014/main" xmlns="" id="{76A37CC9-F7AD-40FF-8BE4-7799E17E6264}"/>
+                <a16:creationId xmlns:a16="http://schemas.microsoft.com/office/drawing/2014/main" id="{76A37CC9-F7AD-40FF-8BE4-7799E17E6264}"/>
               </a:ext>
             </a:extLst>
           </p:cNvPr>
@@ -5560,7 +5556,7 @@
           <p:cNvPr id="4" name="TextBox 3">
             <a:extLst>
               <a:ext uri="{FF2B5EF4-FFF2-40B4-BE49-F238E27FC236}">
-                <a16:creationId xmlns:a16="http://schemas.microsoft.com/office/drawing/2014/main" xmlns="" id="{1BBF3E59-6AF5-4413-B003-0969D9DDA578}"/>
+                <a16:creationId xmlns:a16="http://schemas.microsoft.com/office/drawing/2014/main" id="{1BBF3E59-6AF5-4413-B003-0969D9DDA578}"/>
               </a:ext>
             </a:extLst>
           </p:cNvPr>
@@ -5598,7 +5594,7 @@
           <p:cNvPr id="5" name="TextBox 4">
             <a:extLst>
               <a:ext uri="{FF2B5EF4-FFF2-40B4-BE49-F238E27FC236}">
-                <a16:creationId xmlns:a16="http://schemas.microsoft.com/office/drawing/2014/main" xmlns="" id="{753665C8-6F50-4907-B88F-812CFB944EC6}"/>
+                <a16:creationId xmlns:a16="http://schemas.microsoft.com/office/drawing/2014/main" id="{753665C8-6F50-4907-B88F-812CFB944EC6}"/>
               </a:ext>
             </a:extLst>
           </p:cNvPr>
@@ -5640,7 +5636,7 @@
           <p:cNvPr id="6" name="TextBox 5">
             <a:extLst>
               <a:ext uri="{FF2B5EF4-FFF2-40B4-BE49-F238E27FC236}">
-                <a16:creationId xmlns:a16="http://schemas.microsoft.com/office/drawing/2014/main" xmlns="" id="{E3113C7A-C618-4E3B-9D57-DB03AFF5FE94}"/>
+                <a16:creationId xmlns:a16="http://schemas.microsoft.com/office/drawing/2014/main" id="{E3113C7A-C618-4E3B-9D57-DB03AFF5FE94}"/>
               </a:ext>
             </a:extLst>
           </p:cNvPr>
@@ -5719,7 +5715,7 @@
           <p:cNvPr id="7" name="TextBox 6">
             <a:extLst>
               <a:ext uri="{FF2B5EF4-FFF2-40B4-BE49-F238E27FC236}">
-                <a16:creationId xmlns:a16="http://schemas.microsoft.com/office/drawing/2014/main" xmlns="" id="{3C0F3381-B5BB-4B68-80B6-41D55999770B}"/>
+                <a16:creationId xmlns:a16="http://schemas.microsoft.com/office/drawing/2014/main" id="{3C0F3381-B5BB-4B68-80B6-41D55999770B}"/>
               </a:ext>
             </a:extLst>
           </p:cNvPr>
@@ -5764,7 +5760,7 @@
           <p:cNvPr id="12" name="TextBox 11">
             <a:extLst>
               <a:ext uri="{FF2B5EF4-FFF2-40B4-BE49-F238E27FC236}">
-                <a16:creationId xmlns:a16="http://schemas.microsoft.com/office/drawing/2014/main" xmlns="" id="{9584E404-325D-414A-9857-174B26465244}"/>
+                <a16:creationId xmlns:a16="http://schemas.microsoft.com/office/drawing/2014/main" id="{9584E404-325D-414A-9857-174B26465244}"/>
               </a:ext>
             </a:extLst>
           </p:cNvPr>
@@ -5806,7 +5802,7 @@
           <p:cNvPr id="3" name="Picture 10" descr="Chart, scatter chart&#10;&#10;Description automatically generated">
             <a:extLst>
               <a:ext uri="{FF2B5EF4-FFF2-40B4-BE49-F238E27FC236}">
-                <a16:creationId xmlns:a16="http://schemas.microsoft.com/office/drawing/2014/main" xmlns="" id="{0E59F337-3A8E-4727-8995-C0F1C0F47EBE}"/>
+                <a16:creationId xmlns:a16="http://schemas.microsoft.com/office/drawing/2014/main" id="{0E59F337-3A8E-4727-8995-C0F1C0F47EBE}"/>
               </a:ext>
             </a:extLst>
           </p:cNvPr>
@@ -5836,7 +5832,7 @@
           <p:cNvPr id="11" name="Picture 12" descr="Chart, scatter chart&#10;&#10;Description automatically generated">
             <a:extLst>
               <a:ext uri="{FF2B5EF4-FFF2-40B4-BE49-F238E27FC236}">
-                <a16:creationId xmlns:a16="http://schemas.microsoft.com/office/drawing/2014/main" xmlns="" id="{5AE0EDBB-F52E-4904-81E6-9855FF873E05}"/>
+                <a16:creationId xmlns:a16="http://schemas.microsoft.com/office/drawing/2014/main" id="{5AE0EDBB-F52E-4904-81E6-9855FF873E05}"/>
               </a:ext>
             </a:extLst>
           </p:cNvPr>
@@ -5866,7 +5862,7 @@
           <p:cNvPr id="13" name="Picture 13" descr="Chart, box and whisker chart&#10;&#10;Description automatically generated">
             <a:extLst>
               <a:ext uri="{FF2B5EF4-FFF2-40B4-BE49-F238E27FC236}">
-                <a16:creationId xmlns:a16="http://schemas.microsoft.com/office/drawing/2014/main" xmlns="" id="{28E5AF60-B760-452E-BAFE-64F17BE95E93}"/>
+                <a16:creationId xmlns:a16="http://schemas.microsoft.com/office/drawing/2014/main" id="{28E5AF60-B760-452E-BAFE-64F17BE95E93}"/>
               </a:ext>
             </a:extLst>
           </p:cNvPr>
@@ -5926,7 +5922,7 @@
           <p:cNvPr id="2" name="Title 1">
             <a:extLst>
               <a:ext uri="{FF2B5EF4-FFF2-40B4-BE49-F238E27FC236}">
-                <a16:creationId xmlns:a16="http://schemas.microsoft.com/office/drawing/2014/main" xmlns="" id="{0BE62ED5-3149-42BC-99C4-95ED11EB5EA8}"/>
+                <a16:creationId xmlns:a16="http://schemas.microsoft.com/office/drawing/2014/main" id="{0BE62ED5-3149-42BC-99C4-95ED11EB5EA8}"/>
               </a:ext>
             </a:extLst>
           </p:cNvPr>
@@ -5957,7 +5953,7 @@
           <p:cNvPr id="3" name="Text Placeholder 2">
             <a:extLst>
               <a:ext uri="{FF2B5EF4-FFF2-40B4-BE49-F238E27FC236}">
-                <a16:creationId xmlns:a16="http://schemas.microsoft.com/office/drawing/2014/main" xmlns="" id="{77912FAB-DB08-461C-B86B-95224B710C0F}"/>
+                <a16:creationId xmlns:a16="http://schemas.microsoft.com/office/drawing/2014/main" id="{77912FAB-DB08-461C-B86B-95224B710C0F}"/>
               </a:ext>
             </a:extLst>
           </p:cNvPr>
@@ -6180,7 +6176,7 @@
           <p:cNvPr id="2" name="Title 1">
             <a:extLst>
               <a:ext uri="{FF2B5EF4-FFF2-40B4-BE49-F238E27FC236}">
-                <a16:creationId xmlns:a16="http://schemas.microsoft.com/office/drawing/2014/main" xmlns="" id="{8F0C1610-53D9-408C-BCAF-D9E50C4B889A}"/>
+                <a16:creationId xmlns:a16="http://schemas.microsoft.com/office/drawing/2014/main" id="{8F0C1610-53D9-408C-BCAF-D9E50C4B889A}"/>
               </a:ext>
             </a:extLst>
           </p:cNvPr>
@@ -6212,7 +6208,7 @@
           <p:cNvPr id="4" name="Picture 4" descr="Table&#10;&#10;Description automatically generated">
             <a:extLst>
               <a:ext uri="{FF2B5EF4-FFF2-40B4-BE49-F238E27FC236}">
-                <a16:creationId xmlns:a16="http://schemas.microsoft.com/office/drawing/2014/main" xmlns="" id="{2F60AF90-93E7-49A3-BF8F-889F1EF01FCF}"/>
+                <a16:creationId xmlns:a16="http://schemas.microsoft.com/office/drawing/2014/main" id="{2F60AF90-93E7-49A3-BF8F-889F1EF01FCF}"/>
               </a:ext>
             </a:extLst>
           </p:cNvPr>
@@ -6242,7 +6238,7 @@
           <p:cNvPr id="5" name="TextBox 4">
             <a:extLst>
               <a:ext uri="{FF2B5EF4-FFF2-40B4-BE49-F238E27FC236}">
-                <a16:creationId xmlns:a16="http://schemas.microsoft.com/office/drawing/2014/main" xmlns="" id="{A7535753-44C5-4DDC-8AF2-BD2FA1F9E45E}"/>
+                <a16:creationId xmlns:a16="http://schemas.microsoft.com/office/drawing/2014/main" id="{A7535753-44C5-4DDC-8AF2-BD2FA1F9E45E}"/>
               </a:ext>
             </a:extLst>
           </p:cNvPr>
@@ -6284,7 +6280,7 @@
           <p:cNvPr id="7" name="TextBox 6">
             <a:extLst>
               <a:ext uri="{FF2B5EF4-FFF2-40B4-BE49-F238E27FC236}">
-                <a16:creationId xmlns:a16="http://schemas.microsoft.com/office/drawing/2014/main" xmlns="" id="{8290940F-9470-49BC-8A56-699DE5E92DDE}"/>
+                <a16:creationId xmlns:a16="http://schemas.microsoft.com/office/drawing/2014/main" id="{8290940F-9470-49BC-8A56-699DE5E92DDE}"/>
               </a:ext>
             </a:extLst>
           </p:cNvPr>
@@ -6356,7 +6352,7 @@
           <p:cNvPr id="2" name="Title 1">
             <a:extLst>
               <a:ext uri="{FF2B5EF4-FFF2-40B4-BE49-F238E27FC236}">
-                <a16:creationId xmlns:a16="http://schemas.microsoft.com/office/drawing/2014/main" xmlns="" id="{F11B3721-E2C3-4678-AAF6-62468A2CDA2A}"/>
+                <a16:creationId xmlns:a16="http://schemas.microsoft.com/office/drawing/2014/main" id="{F11B3721-E2C3-4678-AAF6-62468A2CDA2A}"/>
               </a:ext>
             </a:extLst>
           </p:cNvPr>
@@ -6386,7 +6382,7 @@
           <p:cNvPr id="7" name="Picture 7" descr="Chart, bar chart&#10;&#10;Description automatically generated">
             <a:extLst>
               <a:ext uri="{FF2B5EF4-FFF2-40B4-BE49-F238E27FC236}">
-                <a16:creationId xmlns:a16="http://schemas.microsoft.com/office/drawing/2014/main" xmlns="" id="{6C0FCE9F-4EE1-4539-9076-560E4F0E967B}"/>
+                <a16:creationId xmlns:a16="http://schemas.microsoft.com/office/drawing/2014/main" id="{6C0FCE9F-4EE1-4539-9076-560E4F0E967B}"/>
               </a:ext>
             </a:extLst>
           </p:cNvPr>
@@ -6415,7 +6411,7 @@
           <p:cNvPr id="3" name="TextBox 2">
             <a:extLst>
               <a:ext uri="{FF2B5EF4-FFF2-40B4-BE49-F238E27FC236}">
-                <a16:creationId xmlns:a16="http://schemas.microsoft.com/office/drawing/2014/main" xmlns="" id="{1014005F-98E7-4A79-A66A-09C2AD3FF1F1}"/>
+                <a16:creationId xmlns:a16="http://schemas.microsoft.com/office/drawing/2014/main" id="{1014005F-98E7-4A79-A66A-09C2AD3FF1F1}"/>
               </a:ext>
             </a:extLst>
           </p:cNvPr>
@@ -6598,7 +6594,7 @@
           <p:cNvPr id="2" name="Title 1">
             <a:extLst>
               <a:ext uri="{FF2B5EF4-FFF2-40B4-BE49-F238E27FC236}">
-                <a16:creationId xmlns:a16="http://schemas.microsoft.com/office/drawing/2014/main" xmlns="" id="{F11B3721-E2C3-4678-AAF6-62468A2CDA2A}"/>
+                <a16:creationId xmlns:a16="http://schemas.microsoft.com/office/drawing/2014/main" id="{F11B3721-E2C3-4678-AAF6-62468A2CDA2A}"/>
               </a:ext>
             </a:extLst>
           </p:cNvPr>
@@ -6628,7 +6624,7 @@
           <p:cNvPr id="8" name="TextBox 7">
             <a:extLst>
               <a:ext uri="{FF2B5EF4-FFF2-40B4-BE49-F238E27FC236}">
-                <a16:creationId xmlns:a16="http://schemas.microsoft.com/office/drawing/2014/main" xmlns="" id="{E51F3776-BB5E-4790-A099-01FA21B02E46}"/>
+                <a16:creationId xmlns:a16="http://schemas.microsoft.com/office/drawing/2014/main" id="{E51F3776-BB5E-4790-A099-01FA21B02E46}"/>
               </a:ext>
             </a:extLst>
           </p:cNvPr>
@@ -6934,7 +6930,7 @@
           <p:cNvPr id="3" name="TextBox 2">
             <a:extLst>
               <a:ext uri="{FF2B5EF4-FFF2-40B4-BE49-F238E27FC236}">
-                <a16:creationId xmlns:a16="http://schemas.microsoft.com/office/drawing/2014/main" xmlns="" id="{716CAAA0-75B7-4864-833D-7CA24C4C7440}"/>
+                <a16:creationId xmlns:a16="http://schemas.microsoft.com/office/drawing/2014/main" id="{716CAAA0-75B7-4864-833D-7CA24C4C7440}"/>
               </a:ext>
             </a:extLst>
           </p:cNvPr>
@@ -7034,7 +7030,7 @@
           <p:cNvPr id="2" name="Title 1">
             <a:extLst>
               <a:ext uri="{FF2B5EF4-FFF2-40B4-BE49-F238E27FC236}">
-                <a16:creationId xmlns:a16="http://schemas.microsoft.com/office/drawing/2014/main" xmlns="" id="{B17E06D8-2B13-4397-948C-7CAFA37862B9}"/>
+                <a16:creationId xmlns:a16="http://schemas.microsoft.com/office/drawing/2014/main" id="{B17E06D8-2B13-4397-948C-7CAFA37862B9}"/>
               </a:ext>
             </a:extLst>
           </p:cNvPr>
@@ -7065,7 +7061,7 @@
           <p:cNvPr id="3" name="Content Placeholder 2">
             <a:extLst>
               <a:ext uri="{FF2B5EF4-FFF2-40B4-BE49-F238E27FC236}">
-                <a16:creationId xmlns:a16="http://schemas.microsoft.com/office/drawing/2014/main" xmlns="" id="{706DCA1B-3B01-4FDF-A347-E88C426831CF}"/>
+                <a16:creationId xmlns:a16="http://schemas.microsoft.com/office/drawing/2014/main" id="{706DCA1B-3B01-4FDF-A347-E88C426831CF}"/>
               </a:ext>
             </a:extLst>
           </p:cNvPr>
@@ -7124,7 +7120,7 @@
           <p:cNvPr id="4" name="Picture 4" descr="Chart, waterfall chart&#10;&#10;Description automatically generated">
             <a:extLst>
               <a:ext uri="{FF2B5EF4-FFF2-40B4-BE49-F238E27FC236}">
-                <a16:creationId xmlns:a16="http://schemas.microsoft.com/office/drawing/2014/main" xmlns="" id="{C993F298-7FDE-404A-A27F-37A1A4BC26D0}"/>
+                <a16:creationId xmlns:a16="http://schemas.microsoft.com/office/drawing/2014/main" id="{C993F298-7FDE-404A-A27F-37A1A4BC26D0}"/>
               </a:ext>
             </a:extLst>
           </p:cNvPr>
@@ -7154,7 +7150,7 @@
           <p:cNvPr id="5" name="Picture 5" descr="Chart, box and whisker chart&#10;&#10;Description automatically generated">
             <a:extLst>
               <a:ext uri="{FF2B5EF4-FFF2-40B4-BE49-F238E27FC236}">
-                <a16:creationId xmlns:a16="http://schemas.microsoft.com/office/drawing/2014/main" xmlns="" id="{96A6D34B-4DC9-427C-8E1F-DE416A6CE86D}"/>
+                <a16:creationId xmlns:a16="http://schemas.microsoft.com/office/drawing/2014/main" id="{96A6D34B-4DC9-427C-8E1F-DE416A6CE86D}"/>
               </a:ext>
             </a:extLst>
           </p:cNvPr>
@@ -7184,7 +7180,7 @@
           <p:cNvPr id="7" name="Content Placeholder 2">
             <a:extLst>
               <a:ext uri="{FF2B5EF4-FFF2-40B4-BE49-F238E27FC236}">
-                <a16:creationId xmlns:a16="http://schemas.microsoft.com/office/drawing/2014/main" xmlns="" id="{D87D60F8-CB9A-4DEE-997B-F944103FED0F}"/>
+                <a16:creationId xmlns:a16="http://schemas.microsoft.com/office/drawing/2014/main" id="{D87D60F8-CB9A-4DEE-997B-F944103FED0F}"/>
               </a:ext>
             </a:extLst>
           </p:cNvPr>
@@ -7386,7 +7382,7 @@
           <p:cNvPr id="8" name="Picture 8" descr="Chart, scatter chart&#10;&#10;Description automatically generated">
             <a:extLst>
               <a:ext uri="{FF2B5EF4-FFF2-40B4-BE49-F238E27FC236}">
-                <a16:creationId xmlns:a16="http://schemas.microsoft.com/office/drawing/2014/main" xmlns="" id="{E0CDE24C-672B-4C2A-A433-1261BAA6EE5D}"/>
+                <a16:creationId xmlns:a16="http://schemas.microsoft.com/office/drawing/2014/main" id="{E0CDE24C-672B-4C2A-A433-1261BAA6EE5D}"/>
               </a:ext>
             </a:extLst>
           </p:cNvPr>
@@ -7454,10 +7450,10 @@
           <p:cNvPr id="29" name="Rectangle 28">
             <a:extLst>
               <a:ext uri="{FF2B5EF4-FFF2-40B4-BE49-F238E27FC236}">
-                <a16:creationId xmlns:a16="http://schemas.microsoft.com/office/drawing/2014/main" xmlns="" id="{91F32EBA-ED97-466E-8CFA-8382584155D0}"/>
+                <a16:creationId xmlns:a16="http://schemas.microsoft.com/office/drawing/2014/main" id="{91F32EBA-ED97-466E-8CFA-8382584155D0}"/>
               </a:ext>
               <a:ext uri="{C183D7F6-B498-43B3-948B-1728B52AA6E4}">
-                <adec:decorative xmlns:adec="http://schemas.microsoft.com/office/drawing/2017/decorative" xmlns="" val="1"/>
+                <adec:decorative xmlns:adec="http://schemas.microsoft.com/office/drawing/2017/decorative" val="1"/>
               </a:ext>
             </a:extLst>
           </p:cNvPr>
@@ -7467,7 +7463,7 @@
           <p:nvPr>
             <p:extLst>
               <p:ext uri="{386F3935-93C4-4BCD-93E2-E3B085C9AB24}">
-                <p16:designElem xmlns:p16="http://schemas.microsoft.com/office/powerpoint/2015/main" xmlns="" val="1"/>
+                <p16:designElem xmlns:p16="http://schemas.microsoft.com/office/powerpoint/2015/main" val="1"/>
               </p:ext>
             </p:extLst>
           </p:nvPr>
@@ -7543,7 +7539,7 @@
           <p:cNvPr id="2" name="TextBox 1">
             <a:extLst>
               <a:ext uri="{FF2B5EF4-FFF2-40B4-BE49-F238E27FC236}">
-                <a16:creationId xmlns:a16="http://schemas.microsoft.com/office/drawing/2014/main" xmlns="" id="{F555FB54-7145-41A4-B7AC-80E889E6930E}"/>
+                <a16:creationId xmlns:a16="http://schemas.microsoft.com/office/drawing/2014/main" id="{F555FB54-7145-41A4-B7AC-80E889E6930E}"/>
               </a:ext>
             </a:extLst>
           </p:cNvPr>
@@ -7622,10 +7618,10 @@
           <p:cNvPr id="31" name="Freeform: Shape 30">
             <a:extLst>
               <a:ext uri="{FF2B5EF4-FFF2-40B4-BE49-F238E27FC236}">
-                <a16:creationId xmlns:a16="http://schemas.microsoft.com/office/drawing/2014/main" xmlns="" id="{62A38935-BB53-4DF7-A56E-48DD25B685D7}"/>
+                <a16:creationId xmlns:a16="http://schemas.microsoft.com/office/drawing/2014/main" id="{62A38935-BB53-4DF7-A56E-48DD25B685D7}"/>
               </a:ext>
               <a:ext uri="{C183D7F6-B498-43B3-948B-1728B52AA6E4}">
-                <adec:decorative xmlns:adec="http://schemas.microsoft.com/office/drawing/2017/decorative" xmlns="" val="1"/>
+                <adec:decorative xmlns:adec="http://schemas.microsoft.com/office/drawing/2017/decorative" val="1"/>
               </a:ext>
             </a:extLst>
           </p:cNvPr>
@@ -7635,7 +7631,7 @@
           <p:nvPr>
             <p:extLst>
               <p:ext uri="{386F3935-93C4-4BCD-93E2-E3B085C9AB24}">
-                <p16:designElem xmlns:p16="http://schemas.microsoft.com/office/powerpoint/2015/main" xmlns="" val="1"/>
+                <p16:designElem xmlns:p16="http://schemas.microsoft.com/office/powerpoint/2015/main" val="1"/>
               </p:ext>
             </p:extLst>
           </p:nvPr>
@@ -8425,7 +8421,7 @@
           <p:cNvPr id="23" name="Graphic 5" descr="Cmd Terminal outline">
             <a:extLst>
               <a:ext uri="{FF2B5EF4-FFF2-40B4-BE49-F238E27FC236}">
-                <a16:creationId xmlns:a16="http://schemas.microsoft.com/office/drawing/2014/main" xmlns="" id="{B5C9A296-4AD9-4D40-87ED-1242EE6EE8FE}"/>
+                <a16:creationId xmlns:a16="http://schemas.microsoft.com/office/drawing/2014/main" id="{B5C9A296-4AD9-4D40-87ED-1242EE6EE8FE}"/>
               </a:ext>
             </a:extLst>
           </p:cNvPr>
@@ -8438,7 +8434,7 @@
           <a:blip r:embed="rId2">
             <a:extLst>
               <a:ext uri="{96DAC541-7B7A-43D3-8B79-37D633B846F1}">
-                <asvg:svgBlip xmlns:asvg="http://schemas.microsoft.com/office/drawing/2016/SVG/main" xmlns="" r:embed="rId3"/>
+                <asvg:svgBlip xmlns:asvg="http://schemas.microsoft.com/office/drawing/2016/SVG/main" r:embed="rId3"/>
               </a:ext>
             </a:extLst>
           </a:blip>
@@ -9005,10 +9001,10 @@
           <p:cNvPr id="29" name="Rectangle 28">
             <a:extLst>
               <a:ext uri="{FF2B5EF4-FFF2-40B4-BE49-F238E27FC236}">
-                <a16:creationId xmlns:a16="http://schemas.microsoft.com/office/drawing/2014/main" xmlns="" id="{91F32EBA-ED97-466E-8CFA-8382584155D0}"/>
+                <a16:creationId xmlns:a16="http://schemas.microsoft.com/office/drawing/2014/main" id="{91F32EBA-ED97-466E-8CFA-8382584155D0}"/>
               </a:ext>
               <a:ext uri="{C183D7F6-B498-43B3-948B-1728B52AA6E4}">
-                <adec:decorative xmlns:adec="http://schemas.microsoft.com/office/drawing/2017/decorative" xmlns="" val="1"/>
+                <adec:decorative xmlns:adec="http://schemas.microsoft.com/office/drawing/2017/decorative" val="1"/>
               </a:ext>
             </a:extLst>
           </p:cNvPr>
@@ -9018,7 +9014,7 @@
           <p:nvPr>
             <p:extLst>
               <p:ext uri="{386F3935-93C4-4BCD-93E2-E3B085C9AB24}">
-                <p16:designElem xmlns:p16="http://schemas.microsoft.com/office/powerpoint/2015/main" xmlns="" val="1"/>
+                <p16:designElem xmlns:p16="http://schemas.microsoft.com/office/powerpoint/2015/main" val="1"/>
               </p:ext>
             </p:extLst>
           </p:nvPr>
@@ -9094,7 +9090,7 @@
           <p:cNvPr id="2" name="TextBox 1">
             <a:extLst>
               <a:ext uri="{FF2B5EF4-FFF2-40B4-BE49-F238E27FC236}">
-                <a16:creationId xmlns:a16="http://schemas.microsoft.com/office/drawing/2014/main" xmlns="" id="{F555FB54-7145-41A4-B7AC-80E889E6930E}"/>
+                <a16:creationId xmlns:a16="http://schemas.microsoft.com/office/drawing/2014/main" id="{F555FB54-7145-41A4-B7AC-80E889E6930E}"/>
               </a:ext>
             </a:extLst>
           </p:cNvPr>
@@ -9173,10 +9169,10 @@
           <p:cNvPr id="31" name="Freeform: Shape 30">
             <a:extLst>
               <a:ext uri="{FF2B5EF4-FFF2-40B4-BE49-F238E27FC236}">
-                <a16:creationId xmlns:a16="http://schemas.microsoft.com/office/drawing/2014/main" xmlns="" id="{62A38935-BB53-4DF7-A56E-48DD25B685D7}"/>
+                <a16:creationId xmlns:a16="http://schemas.microsoft.com/office/drawing/2014/main" id="{62A38935-BB53-4DF7-A56E-48DD25B685D7}"/>
               </a:ext>
               <a:ext uri="{C183D7F6-B498-43B3-948B-1728B52AA6E4}">
-                <adec:decorative xmlns:adec="http://schemas.microsoft.com/office/drawing/2017/decorative" xmlns="" val="1"/>
+                <adec:decorative xmlns:adec="http://schemas.microsoft.com/office/drawing/2017/decorative" val="1"/>
               </a:ext>
             </a:extLst>
           </p:cNvPr>
@@ -9186,7 +9182,7 @@
           <p:nvPr>
             <p:extLst>
               <p:ext uri="{386F3935-93C4-4BCD-93E2-E3B085C9AB24}">
-                <p16:designElem xmlns:p16="http://schemas.microsoft.com/office/powerpoint/2015/main" xmlns="" val="1"/>
+                <p16:designElem xmlns:p16="http://schemas.microsoft.com/office/powerpoint/2015/main" val="1"/>
               </p:ext>
             </p:extLst>
           </p:nvPr>
@@ -9976,7 +9972,7 @@
           <p:cNvPr id="23" name="Graphic 5" descr="Cmd Terminal outline">
             <a:extLst>
               <a:ext uri="{FF2B5EF4-FFF2-40B4-BE49-F238E27FC236}">
-                <a16:creationId xmlns:a16="http://schemas.microsoft.com/office/drawing/2014/main" xmlns="" id="{B5C9A296-4AD9-4D40-87ED-1242EE6EE8FE}"/>
+                <a16:creationId xmlns:a16="http://schemas.microsoft.com/office/drawing/2014/main" id="{B5C9A296-4AD9-4D40-87ED-1242EE6EE8FE}"/>
               </a:ext>
             </a:extLst>
           </p:cNvPr>
@@ -9989,7 +9985,7 @@
           <a:blip r:embed="rId2">
             <a:extLst>
               <a:ext uri="{96DAC541-7B7A-43D3-8B79-37D633B846F1}">
-                <asvg:svgBlip xmlns:asvg="http://schemas.microsoft.com/office/drawing/2016/SVG/main" xmlns="" r:embed="rId3"/>
+                <asvg:svgBlip xmlns:asvg="http://schemas.microsoft.com/office/drawing/2016/SVG/main" r:embed="rId3"/>
               </a:ext>
             </a:extLst>
           </a:blip>
@@ -10011,7 +10007,7 @@
           <p:cNvPr id="6" name="TextBox 5">
             <a:extLst>
               <a:ext uri="{FF2B5EF4-FFF2-40B4-BE49-F238E27FC236}">
-                <a16:creationId xmlns:a16="http://schemas.microsoft.com/office/drawing/2014/main" xmlns="" id="{29A1180F-7D7E-453B-86CE-C092E2107653}"/>
+                <a16:creationId xmlns:a16="http://schemas.microsoft.com/office/drawing/2014/main" id="{29A1180F-7D7E-453B-86CE-C092E2107653}"/>
               </a:ext>
             </a:extLst>
           </p:cNvPr>
@@ -10096,7 +10092,7 @@
           <p:cNvPr id="2" name="Title 1">
             <a:extLst>
               <a:ext uri="{FF2B5EF4-FFF2-40B4-BE49-F238E27FC236}">
-                <a16:creationId xmlns:a16="http://schemas.microsoft.com/office/drawing/2014/main" xmlns="" id="{EC84C91D-5C9A-4516-BC67-968A5870A641}"/>
+                <a16:creationId xmlns:a16="http://schemas.microsoft.com/office/drawing/2014/main" id="{EC84C91D-5C9A-4516-BC67-968A5870A641}"/>
               </a:ext>
             </a:extLst>
           </p:cNvPr>
@@ -10124,7 +10120,7 @@
           <p:cNvPr id="6" name="Text Placeholder 2">
             <a:extLst>
               <a:ext uri="{FF2B5EF4-FFF2-40B4-BE49-F238E27FC236}">
-                <a16:creationId xmlns:a16="http://schemas.microsoft.com/office/drawing/2014/main" xmlns="" id="{B2492802-8B0C-4827-9851-9AFF7EA821E8}"/>
+                <a16:creationId xmlns:a16="http://schemas.microsoft.com/office/drawing/2014/main" id="{B2492802-8B0C-4827-9851-9AFF7EA821E8}"/>
               </a:ext>
             </a:extLst>
           </p:cNvPr>
@@ -10267,7 +10263,7 @@
           <p:cNvPr id="2" name="Title 1">
             <a:extLst>
               <a:ext uri="{FF2B5EF4-FFF2-40B4-BE49-F238E27FC236}">
-                <a16:creationId xmlns:a16="http://schemas.microsoft.com/office/drawing/2014/main" xmlns="" id="{EC84C91D-5C9A-4516-BC67-968A5870A641}"/>
+                <a16:creationId xmlns:a16="http://schemas.microsoft.com/office/drawing/2014/main" id="{EC84C91D-5C9A-4516-BC67-968A5870A641}"/>
               </a:ext>
             </a:extLst>
           </p:cNvPr>
@@ -10300,7 +10296,7 @@
           <p:cNvPr id="6" name="Text Placeholder 2">
             <a:extLst>
               <a:ext uri="{FF2B5EF4-FFF2-40B4-BE49-F238E27FC236}">
-                <a16:creationId xmlns:a16="http://schemas.microsoft.com/office/drawing/2014/main" xmlns="" id="{B2492802-8B0C-4827-9851-9AFF7EA821E8}"/>
+                <a16:creationId xmlns:a16="http://schemas.microsoft.com/office/drawing/2014/main" id="{B2492802-8B0C-4827-9851-9AFF7EA821E8}"/>
               </a:ext>
             </a:extLst>
           </p:cNvPr>
@@ -10444,7 +10440,7 @@
           <p:cNvPr id="7" name="Picture 6">
             <a:extLst>
               <a:ext uri="{FF2B5EF4-FFF2-40B4-BE49-F238E27FC236}">
-                <a16:creationId xmlns:a16="http://schemas.microsoft.com/office/drawing/2014/main" xmlns="" id="{6A00AC4D-8C71-4181-A1A5-E12AA7FEBC24}"/>
+                <a16:creationId xmlns:a16="http://schemas.microsoft.com/office/drawing/2014/main" id="{6A00AC4D-8C71-4181-A1A5-E12AA7FEBC24}"/>
               </a:ext>
             </a:extLst>
           </p:cNvPr>
@@ -10473,7 +10469,7 @@
           <p:cNvPr id="5" name="TextBox 4">
             <a:extLst>
               <a:ext uri="{FF2B5EF4-FFF2-40B4-BE49-F238E27FC236}">
-                <a16:creationId xmlns:a16="http://schemas.microsoft.com/office/drawing/2014/main" xmlns="" id="{59978D74-A342-4721-AE98-DF607E1E1FB5}"/>
+                <a16:creationId xmlns:a16="http://schemas.microsoft.com/office/drawing/2014/main" id="{59978D74-A342-4721-AE98-DF607E1E1FB5}"/>
               </a:ext>
             </a:extLst>
           </p:cNvPr>
@@ -10543,7 +10539,7 @@
           <p:cNvPr id="2" name="Title 1">
             <a:extLst>
               <a:ext uri="{FF2B5EF4-FFF2-40B4-BE49-F238E27FC236}">
-                <a16:creationId xmlns:a16="http://schemas.microsoft.com/office/drawing/2014/main" xmlns="" id="{EC84C91D-5C9A-4516-BC67-968A5870A641}"/>
+                <a16:creationId xmlns:a16="http://schemas.microsoft.com/office/drawing/2014/main" id="{EC84C91D-5C9A-4516-BC67-968A5870A641}"/>
               </a:ext>
             </a:extLst>
           </p:cNvPr>
@@ -10576,7 +10572,7 @@
           <p:cNvPr id="1026" name="Picture 2" descr="figure4">
             <a:extLst>
               <a:ext uri="{FF2B5EF4-FFF2-40B4-BE49-F238E27FC236}">
-                <a16:creationId xmlns:a16="http://schemas.microsoft.com/office/drawing/2014/main" xmlns="" id="{DD6FD658-D1B4-49B1-A0F1-99400602CDAE}"/>
+                <a16:creationId xmlns:a16="http://schemas.microsoft.com/office/drawing/2014/main" id="{DD6FD658-D1B4-49B1-A0F1-99400602CDAE}"/>
               </a:ext>
             </a:extLst>
           </p:cNvPr>
@@ -10609,7 +10605,7 @@
           <a:noFill/>
           <a:extLst>
             <a:ext uri="{909E8E84-426E-40dd-AFC4-6F175D3DCCD1}">
-              <a14:hiddenFill xmlns:a14="http://schemas.microsoft.com/office/drawing/2010/main">
+              <a14:hiddenFill xmlns:a14="http://schemas.microsoft.com/office/drawing/2010/main" xmlns="">
                 <a:solidFill>
                   <a:srgbClr val="FFFFFF"/>
                 </a:solidFill>
@@ -10623,7 +10619,7 @@
           <p:cNvPr id="8" name="TextBox 7">
             <a:extLst>
               <a:ext uri="{FF2B5EF4-FFF2-40B4-BE49-F238E27FC236}">
-                <a16:creationId xmlns:a16="http://schemas.microsoft.com/office/drawing/2014/main" xmlns="" id="{69BA2AFD-383A-4C57-B046-E67C648DE232}"/>
+                <a16:creationId xmlns:a16="http://schemas.microsoft.com/office/drawing/2014/main" id="{69BA2AFD-383A-4C57-B046-E67C648DE232}"/>
               </a:ext>
             </a:extLst>
           </p:cNvPr>
@@ -10667,7 +10663,7 @@
           <p:cNvPr id="4" name="Straight Arrow Connector 3">
             <a:extLst>
               <a:ext uri="{FF2B5EF4-FFF2-40B4-BE49-F238E27FC236}">
-                <a16:creationId xmlns:a16="http://schemas.microsoft.com/office/drawing/2014/main" xmlns="" id="{08DE34F7-90C5-414B-A83A-37CBDDF381BB}"/>
+                <a16:creationId xmlns:a16="http://schemas.microsoft.com/office/drawing/2014/main" id="{08DE34F7-90C5-414B-A83A-37CBDDF381BB}"/>
               </a:ext>
             </a:extLst>
           </p:cNvPr>
@@ -10708,7 +10704,7 @@
           <p:cNvPr id="9" name="Straight Arrow Connector 8">
             <a:extLst>
               <a:ext uri="{FF2B5EF4-FFF2-40B4-BE49-F238E27FC236}">
-                <a16:creationId xmlns:a16="http://schemas.microsoft.com/office/drawing/2014/main" xmlns="" id="{911CF2AF-C7B9-416A-A089-D2FAB275FF92}"/>
+                <a16:creationId xmlns:a16="http://schemas.microsoft.com/office/drawing/2014/main" id="{911CF2AF-C7B9-416A-A089-D2FAB275FF92}"/>
               </a:ext>
             </a:extLst>
           </p:cNvPr>
@@ -10749,7 +10745,7 @@
           <p:cNvPr id="11" name="Rectangle 10">
             <a:extLst>
               <a:ext uri="{FF2B5EF4-FFF2-40B4-BE49-F238E27FC236}">
-                <a16:creationId xmlns:a16="http://schemas.microsoft.com/office/drawing/2014/main" xmlns="" id="{983A38C4-4DD5-4DFA-967B-732F13C9C6CE}"/>
+                <a16:creationId xmlns:a16="http://schemas.microsoft.com/office/drawing/2014/main" id="{983A38C4-4DD5-4DFA-967B-732F13C9C6CE}"/>
               </a:ext>
             </a:extLst>
           </p:cNvPr>
@@ -10794,7 +10790,7 @@
           <p:cNvPr id="13" name="Rectangle 12">
             <a:extLst>
               <a:ext uri="{FF2B5EF4-FFF2-40B4-BE49-F238E27FC236}">
-                <a16:creationId xmlns:a16="http://schemas.microsoft.com/office/drawing/2014/main" xmlns="" id="{24C970E0-02F9-4213-9489-A2EDA22FD229}"/>
+                <a16:creationId xmlns:a16="http://schemas.microsoft.com/office/drawing/2014/main" id="{24C970E0-02F9-4213-9489-A2EDA22FD229}"/>
               </a:ext>
             </a:extLst>
           </p:cNvPr>
@@ -10839,7 +10835,7 @@
           <p:cNvPr id="17" name="TextBox 16">
             <a:extLst>
               <a:ext uri="{FF2B5EF4-FFF2-40B4-BE49-F238E27FC236}">
-                <a16:creationId xmlns:a16="http://schemas.microsoft.com/office/drawing/2014/main" xmlns="" id="{D5C4E12D-8954-4B74-A975-E9DE9AB777F9}"/>
+                <a16:creationId xmlns:a16="http://schemas.microsoft.com/office/drawing/2014/main" id="{D5C4E12D-8954-4B74-A975-E9DE9AB777F9}"/>
               </a:ext>
             </a:extLst>
           </p:cNvPr>
@@ -10882,7 +10878,7 @@
   <p:timing>
     <p:tnLst>
       <p:par>
-        <p:cTn xmlns:p14="http://schemas.microsoft.com/office/powerpoint/2010/main" id="1" dur="indefinite" restart="never" nodeType="tmRoot">
+        <p:cTn id="1" dur="indefinite" restart="never" nodeType="tmRoot">
           <p:childTnLst>
             <p:seq concurrent="1" nextAc="seek">
               <p:cTn id="2" dur="indefinite" nodeType="mainSeq">
@@ -11092,7 +11088,7 @@
           <p:cNvPr id="4" name="Picture 3">
             <a:extLst>
               <a:ext uri="{FF2B5EF4-FFF2-40B4-BE49-F238E27FC236}">
-                <a16:creationId xmlns:a16="http://schemas.microsoft.com/office/drawing/2014/main" xmlns="" id="{EA68B806-0ADF-41AD-94D9-D7E487164373}"/>
+                <a16:creationId xmlns:a16="http://schemas.microsoft.com/office/drawing/2014/main" id="{EA68B806-0ADF-41AD-94D9-D7E487164373}"/>
               </a:ext>
             </a:extLst>
           </p:cNvPr>
@@ -11122,7 +11118,7 @@
           <p:cNvPr id="2" name="Title 1">
             <a:extLst>
               <a:ext uri="{FF2B5EF4-FFF2-40B4-BE49-F238E27FC236}">
-                <a16:creationId xmlns:a16="http://schemas.microsoft.com/office/drawing/2014/main" xmlns="" id="{EC84C91D-5C9A-4516-BC67-968A5870A641}"/>
+                <a16:creationId xmlns:a16="http://schemas.microsoft.com/office/drawing/2014/main" id="{EC84C91D-5C9A-4516-BC67-968A5870A641}"/>
               </a:ext>
             </a:extLst>
           </p:cNvPr>
@@ -11155,7 +11151,7 @@
           <p:cNvPr id="6" name="Text Placeholder 2">
             <a:extLst>
               <a:ext uri="{FF2B5EF4-FFF2-40B4-BE49-F238E27FC236}">
-                <a16:creationId xmlns:a16="http://schemas.microsoft.com/office/drawing/2014/main" xmlns="" id="{B2492802-8B0C-4827-9851-9AFF7EA821E8}"/>
+                <a16:creationId xmlns:a16="http://schemas.microsoft.com/office/drawing/2014/main" id="{B2492802-8B0C-4827-9851-9AFF7EA821E8}"/>
               </a:ext>
             </a:extLst>
           </p:cNvPr>
@@ -11412,7 +11408,7 @@
           <p:cNvPr id="5" name="Picture 4">
             <a:extLst>
               <a:ext uri="{FF2B5EF4-FFF2-40B4-BE49-F238E27FC236}">
-                <a16:creationId xmlns:a16="http://schemas.microsoft.com/office/drawing/2014/main" xmlns="" id="{A240F174-0B17-46A4-8101-DD49AB8C9B7F}"/>
+                <a16:creationId xmlns:a16="http://schemas.microsoft.com/office/drawing/2014/main" id="{A240F174-0B17-46A4-8101-DD49AB8C9B7F}"/>
               </a:ext>
             </a:extLst>
           </p:cNvPr>
@@ -11442,7 +11438,7 @@
           <p:cNvPr id="8" name="Picture 7">
             <a:extLst>
               <a:ext uri="{FF2B5EF4-FFF2-40B4-BE49-F238E27FC236}">
-                <a16:creationId xmlns:a16="http://schemas.microsoft.com/office/drawing/2014/main" xmlns="" id="{3B3C933C-F429-428E-BBE1-2E0AD407171B}"/>
+                <a16:creationId xmlns:a16="http://schemas.microsoft.com/office/drawing/2014/main" id="{3B3C933C-F429-428E-BBE1-2E0AD407171B}"/>
               </a:ext>
             </a:extLst>
           </p:cNvPr>
@@ -11502,7 +11498,7 @@
           <p:cNvPr id="2" name="Title 1">
             <a:extLst>
               <a:ext uri="{FF2B5EF4-FFF2-40B4-BE49-F238E27FC236}">
-                <a16:creationId xmlns:a16="http://schemas.microsoft.com/office/drawing/2014/main" xmlns="" id="{EC84C91D-5C9A-4516-BC67-968A5870A641}"/>
+                <a16:creationId xmlns:a16="http://schemas.microsoft.com/office/drawing/2014/main" id="{EC84C91D-5C9A-4516-BC67-968A5870A641}"/>
               </a:ext>
             </a:extLst>
           </p:cNvPr>
@@ -11535,7 +11531,7 @@
           <p:cNvPr id="6" name="Text Placeholder 2">
             <a:extLst>
               <a:ext uri="{FF2B5EF4-FFF2-40B4-BE49-F238E27FC236}">
-                <a16:creationId xmlns:a16="http://schemas.microsoft.com/office/drawing/2014/main" xmlns="" id="{B2492802-8B0C-4827-9851-9AFF7EA821E8}"/>
+                <a16:creationId xmlns:a16="http://schemas.microsoft.com/office/drawing/2014/main" id="{B2492802-8B0C-4827-9851-9AFF7EA821E8}"/>
               </a:ext>
             </a:extLst>
           </p:cNvPr>
@@ -11834,7 +11830,7 @@
           <p:cNvPr id="36" name="TextBox 35">
             <a:extLst>
               <a:ext uri="{FF2B5EF4-FFF2-40B4-BE49-F238E27FC236}">
-                <a16:creationId xmlns:a16="http://schemas.microsoft.com/office/drawing/2014/main" xmlns="" id="{9509285D-57BE-4808-B03A-DE7BE85A7B8F}"/>
+                <a16:creationId xmlns:a16="http://schemas.microsoft.com/office/drawing/2014/main" id="{9509285D-57BE-4808-B03A-DE7BE85A7B8F}"/>
               </a:ext>
             </a:extLst>
           </p:cNvPr>
@@ -12156,7 +12152,7 @@
           <p:cNvPr id="2" name="Title 1">
             <a:extLst>
               <a:ext uri="{FF2B5EF4-FFF2-40B4-BE49-F238E27FC236}">
-                <a16:creationId xmlns:a16="http://schemas.microsoft.com/office/drawing/2014/main" xmlns="" id="{EC84C91D-5C9A-4516-BC67-968A5870A641}"/>
+                <a16:creationId xmlns:a16="http://schemas.microsoft.com/office/drawing/2014/main" id="{EC84C91D-5C9A-4516-BC67-968A5870A641}"/>
               </a:ext>
             </a:extLst>
           </p:cNvPr>
@@ -12189,7 +12185,7 @@
           <p:cNvPr id="6" name="Picture 5">
             <a:extLst>
               <a:ext uri="{FF2B5EF4-FFF2-40B4-BE49-F238E27FC236}">
-                <a16:creationId xmlns:a16="http://schemas.microsoft.com/office/drawing/2014/main" xmlns="" id="{D736DE20-3FAC-438C-AB46-64E830B1AE68}"/>
+                <a16:creationId xmlns:a16="http://schemas.microsoft.com/office/drawing/2014/main" id="{D736DE20-3FAC-438C-AB46-64E830B1AE68}"/>
               </a:ext>
             </a:extLst>
           </p:cNvPr>
@@ -12219,7 +12215,7 @@
           <p:cNvPr id="7" name="Picture 6">
             <a:extLst>
               <a:ext uri="{FF2B5EF4-FFF2-40B4-BE49-F238E27FC236}">
-                <a16:creationId xmlns:a16="http://schemas.microsoft.com/office/drawing/2014/main" xmlns="" id="{5191D75B-21D6-45D6-87CF-3DB8CDF7CCA5}"/>
+                <a16:creationId xmlns:a16="http://schemas.microsoft.com/office/drawing/2014/main" id="{5191D75B-21D6-45D6-87CF-3DB8CDF7CCA5}"/>
               </a:ext>
             </a:extLst>
           </p:cNvPr>
@@ -12249,7 +12245,7 @@
           <p:cNvPr id="14" name="AutoShape 10">
             <a:extLst>
               <a:ext uri="{FF2B5EF4-FFF2-40B4-BE49-F238E27FC236}">
-                <a16:creationId xmlns:a16="http://schemas.microsoft.com/office/drawing/2014/main" xmlns="" id="{17A71C3F-E9F4-4C5E-BC0B-D192DA6D2711}"/>
+                <a16:creationId xmlns:a16="http://schemas.microsoft.com/office/drawing/2014/main" id="{17A71C3F-E9F4-4C5E-BC0B-D192DA6D2711}"/>
               </a:ext>
             </a:extLst>
           </p:cNvPr>
@@ -12269,7 +12265,7 @@
           <a:noFill/>
           <a:extLst>
             <a:ext uri="{909E8E84-426E-40dd-AFC4-6F175D3DCCD1}">
-              <a14:hiddenFill xmlns:a14="http://schemas.microsoft.com/office/drawing/2010/main">
+              <a14:hiddenFill xmlns:a14="http://schemas.microsoft.com/office/drawing/2010/main" xmlns="">
                 <a:solidFill>
                   <a:srgbClr val="FFFFFF"/>
                 </a:solidFill>
@@ -12294,7 +12290,7 @@
           <p:cNvPr id="15" name="Picture 14">
             <a:extLst>
               <a:ext uri="{FF2B5EF4-FFF2-40B4-BE49-F238E27FC236}">
-                <a16:creationId xmlns:a16="http://schemas.microsoft.com/office/drawing/2014/main" xmlns="" id="{91953610-4B95-4435-A586-8002E9CDDF37}"/>
+                <a16:creationId xmlns:a16="http://schemas.microsoft.com/office/drawing/2014/main" id="{91953610-4B95-4435-A586-8002E9CDDF37}"/>
               </a:ext>
             </a:extLst>
           </p:cNvPr>
@@ -12324,7 +12320,7 @@
           <p:cNvPr id="18" name="Picture 17">
             <a:extLst>
               <a:ext uri="{FF2B5EF4-FFF2-40B4-BE49-F238E27FC236}">
-                <a16:creationId xmlns:a16="http://schemas.microsoft.com/office/drawing/2014/main" xmlns="" id="{3CD2DB1F-C105-4C5D-9A73-8D8FC96B6B2B}"/>
+                <a16:creationId xmlns:a16="http://schemas.microsoft.com/office/drawing/2014/main" id="{3CD2DB1F-C105-4C5D-9A73-8D8FC96B6B2B}"/>
               </a:ext>
             </a:extLst>
           </p:cNvPr>
@@ -12354,7 +12350,7 @@
           <p:cNvPr id="20" name="Picture 19">
             <a:extLst>
               <a:ext uri="{FF2B5EF4-FFF2-40B4-BE49-F238E27FC236}">
-                <a16:creationId xmlns:a16="http://schemas.microsoft.com/office/drawing/2014/main" xmlns="" id="{78A8B07C-2654-48E8-A845-B2A53CE0FC44}"/>
+                <a16:creationId xmlns:a16="http://schemas.microsoft.com/office/drawing/2014/main" id="{78A8B07C-2654-48E8-A845-B2A53CE0FC44}"/>
               </a:ext>
             </a:extLst>
           </p:cNvPr>
@@ -12384,7 +12380,7 @@
           <p:cNvPr id="22" name="Picture 21">
             <a:extLst>
               <a:ext uri="{FF2B5EF4-FFF2-40B4-BE49-F238E27FC236}">
-                <a16:creationId xmlns:a16="http://schemas.microsoft.com/office/drawing/2014/main" xmlns="" id="{D3351F03-D6B5-46E3-AE21-160FC0EEF401}"/>
+                <a16:creationId xmlns:a16="http://schemas.microsoft.com/office/drawing/2014/main" id="{D3351F03-D6B5-46E3-AE21-160FC0EEF401}"/>
               </a:ext>
             </a:extLst>
           </p:cNvPr>
@@ -12414,7 +12410,7 @@
           <p:cNvPr id="23" name="Picture 22">
             <a:extLst>
               <a:ext uri="{FF2B5EF4-FFF2-40B4-BE49-F238E27FC236}">
-                <a16:creationId xmlns:a16="http://schemas.microsoft.com/office/drawing/2014/main" xmlns="" id="{6ADA3D4E-369A-4AD7-BB28-B03CC80402F0}"/>
+                <a16:creationId xmlns:a16="http://schemas.microsoft.com/office/drawing/2014/main" id="{6ADA3D4E-369A-4AD7-BB28-B03CC80402F0}"/>
               </a:ext>
             </a:extLst>
           </p:cNvPr>
@@ -12444,7 +12440,7 @@
           <p:cNvPr id="25" name="Picture 24">
             <a:extLst>
               <a:ext uri="{FF2B5EF4-FFF2-40B4-BE49-F238E27FC236}">
-                <a16:creationId xmlns:a16="http://schemas.microsoft.com/office/drawing/2014/main" xmlns="" id="{4F2D6D69-EF08-498A-8381-C73077424F9C}"/>
+                <a16:creationId xmlns:a16="http://schemas.microsoft.com/office/drawing/2014/main" id="{4F2D6D69-EF08-498A-8381-C73077424F9C}"/>
               </a:ext>
             </a:extLst>
           </p:cNvPr>
@@ -12474,7 +12470,7 @@
           <p:cNvPr id="26" name="Picture 25">
             <a:extLst>
               <a:ext uri="{FF2B5EF4-FFF2-40B4-BE49-F238E27FC236}">
-                <a16:creationId xmlns:a16="http://schemas.microsoft.com/office/drawing/2014/main" xmlns="" id="{9E3BF05A-6DB8-4147-BE51-1D844727BDA0}"/>
+                <a16:creationId xmlns:a16="http://schemas.microsoft.com/office/drawing/2014/main" id="{9E3BF05A-6DB8-4147-BE51-1D844727BDA0}"/>
               </a:ext>
             </a:extLst>
           </p:cNvPr>
@@ -12504,7 +12500,7 @@
           <p:cNvPr id="29" name="Picture 28">
             <a:extLst>
               <a:ext uri="{FF2B5EF4-FFF2-40B4-BE49-F238E27FC236}">
-                <a16:creationId xmlns:a16="http://schemas.microsoft.com/office/drawing/2014/main" xmlns="" id="{4A9D7292-1A89-4E57-8691-00E25FE8A49D}"/>
+                <a16:creationId xmlns:a16="http://schemas.microsoft.com/office/drawing/2014/main" id="{4A9D7292-1A89-4E57-8691-00E25FE8A49D}"/>
               </a:ext>
             </a:extLst>
           </p:cNvPr>
@@ -12534,7 +12530,7 @@
           <p:cNvPr id="30" name="Picture 29">
             <a:extLst>
               <a:ext uri="{FF2B5EF4-FFF2-40B4-BE49-F238E27FC236}">
-                <a16:creationId xmlns:a16="http://schemas.microsoft.com/office/drawing/2014/main" xmlns="" id="{C58902C4-2DB1-488D-B18F-D4753B256A03}"/>
+                <a16:creationId xmlns:a16="http://schemas.microsoft.com/office/drawing/2014/main" id="{C58902C4-2DB1-488D-B18F-D4753B256A03}"/>
               </a:ext>
             </a:extLst>
           </p:cNvPr>
@@ -12572,7 +12568,7 @@
   <p:timing>
     <p:tnLst>
       <p:par>
-        <p:cTn xmlns:p14="http://schemas.microsoft.com/office/powerpoint/2010/main" id="1" dur="indefinite" restart="never" nodeType="tmRoot">
+        <p:cTn id="1" dur="indefinite" restart="never" nodeType="tmRoot">
           <p:childTnLst>
             <p:seq concurrent="1" nextAc="seek">
               <p:cTn id="2" dur="indefinite" nodeType="mainSeq">
@@ -13074,7 +13070,7 @@
           <p:cNvPr id="2" name="Title 1">
             <a:extLst>
               <a:ext uri="{FF2B5EF4-FFF2-40B4-BE49-F238E27FC236}">
-                <a16:creationId xmlns:a16="http://schemas.microsoft.com/office/drawing/2014/main" xmlns="" id="{EC84C91D-5C9A-4516-BC67-968A5870A641}"/>
+                <a16:creationId xmlns:a16="http://schemas.microsoft.com/office/drawing/2014/main" id="{EC84C91D-5C9A-4516-BC67-968A5870A641}"/>
               </a:ext>
             </a:extLst>
           </p:cNvPr>
@@ -13107,7 +13103,7 @@
           <p:cNvPr id="6" name="Text Placeholder 2">
             <a:extLst>
               <a:ext uri="{FF2B5EF4-FFF2-40B4-BE49-F238E27FC236}">
-                <a16:creationId xmlns:a16="http://schemas.microsoft.com/office/drawing/2014/main" xmlns="" id="{B2492802-8B0C-4827-9851-9AFF7EA821E8}"/>
+                <a16:creationId xmlns:a16="http://schemas.microsoft.com/office/drawing/2014/main" id="{B2492802-8B0C-4827-9851-9AFF7EA821E8}"/>
               </a:ext>
             </a:extLst>
           </p:cNvPr>
@@ -13420,7 +13416,7 @@
           <p:cNvPr id="4" name="Text Placeholder 2">
             <a:extLst>
               <a:ext uri="{FF2B5EF4-FFF2-40B4-BE49-F238E27FC236}">
-                <a16:creationId xmlns:a16="http://schemas.microsoft.com/office/drawing/2014/main" xmlns="" id="{BEC1BB68-67C4-4594-8396-DFDD4A4CA291}"/>
+                <a16:creationId xmlns:a16="http://schemas.microsoft.com/office/drawing/2014/main" id="{BEC1BB68-67C4-4594-8396-DFDD4A4CA291}"/>
               </a:ext>
             </a:extLst>
           </p:cNvPr>
@@ -13628,7 +13624,7 @@
           <p:cNvPr id="11" name="TextBox 10">
             <a:extLst>
               <a:ext uri="{FF2B5EF4-FFF2-40B4-BE49-F238E27FC236}">
-                <a16:creationId xmlns:a16="http://schemas.microsoft.com/office/drawing/2014/main" xmlns="" id="{42B0DDA8-DD31-4BF9-ACB5-F4CC3C977674}"/>
+                <a16:creationId xmlns:a16="http://schemas.microsoft.com/office/drawing/2014/main" id="{42B0DDA8-DD31-4BF9-ACB5-F4CC3C977674}"/>
               </a:ext>
             </a:extLst>
           </p:cNvPr>
@@ -13714,7 +13710,7 @@
           <p:cNvPr id="12" name="TextBox 11">
             <a:extLst>
               <a:ext uri="{FF2B5EF4-FFF2-40B4-BE49-F238E27FC236}">
-                <a16:creationId xmlns:a16="http://schemas.microsoft.com/office/drawing/2014/main" xmlns="" id="{AB65C581-AB79-45E8-BEB4-CF9FC97A8AB1}"/>
+                <a16:creationId xmlns:a16="http://schemas.microsoft.com/office/drawing/2014/main" id="{AB65C581-AB79-45E8-BEB4-CF9FC97A8AB1}"/>
               </a:ext>
             </a:extLst>
           </p:cNvPr>
@@ -13751,7 +13747,7 @@
           <p:cNvPr id="13" name="TextBox 12">
             <a:extLst>
               <a:ext uri="{FF2B5EF4-FFF2-40B4-BE49-F238E27FC236}">
-                <a16:creationId xmlns:a16="http://schemas.microsoft.com/office/drawing/2014/main" xmlns="" id="{EC395D62-24F5-464F-A4B5-4F36ACC4B0FE}"/>
+                <a16:creationId xmlns:a16="http://schemas.microsoft.com/office/drawing/2014/main" id="{EC395D62-24F5-464F-A4B5-4F36ACC4B0FE}"/>
               </a:ext>
             </a:extLst>
           </p:cNvPr>
@@ -13792,7 +13788,7 @@
           <p:cNvPr id="14" name="Straight Arrow Connector 13">
             <a:extLst>
               <a:ext uri="{FF2B5EF4-FFF2-40B4-BE49-F238E27FC236}">
-                <a16:creationId xmlns:a16="http://schemas.microsoft.com/office/drawing/2014/main" xmlns="" id="{0007879B-0DC1-410C-B67C-C57A84505A60}"/>
+                <a16:creationId xmlns:a16="http://schemas.microsoft.com/office/drawing/2014/main" id="{0007879B-0DC1-410C-B67C-C57A84505A60}"/>
               </a:ext>
             </a:extLst>
           </p:cNvPr>
@@ -13833,7 +13829,7 @@
           <p:cNvPr id="15" name="Rectangle 14">
             <a:extLst>
               <a:ext uri="{FF2B5EF4-FFF2-40B4-BE49-F238E27FC236}">
-                <a16:creationId xmlns:a16="http://schemas.microsoft.com/office/drawing/2014/main" xmlns="" id="{C295B03B-3452-4E14-B817-ED9213AC9DA3}"/>
+                <a16:creationId xmlns:a16="http://schemas.microsoft.com/office/drawing/2014/main" id="{C295B03B-3452-4E14-B817-ED9213AC9DA3}"/>
               </a:ext>
             </a:extLst>
           </p:cNvPr>
@@ -13878,7 +13874,7 @@
           <p:cNvPr id="17" name="Straight Arrow Connector 16">
             <a:extLst>
               <a:ext uri="{FF2B5EF4-FFF2-40B4-BE49-F238E27FC236}">
-                <a16:creationId xmlns:a16="http://schemas.microsoft.com/office/drawing/2014/main" xmlns="" id="{16F25264-DF23-40A6-9D72-3945F72CE54C}"/>
+                <a16:creationId xmlns:a16="http://schemas.microsoft.com/office/drawing/2014/main" id="{16F25264-DF23-40A6-9D72-3945F72CE54C}"/>
               </a:ext>
             </a:extLst>
           </p:cNvPr>
@@ -13919,7 +13915,7 @@
           <p:cNvPr id="19" name="Rectangle 18">
             <a:extLst>
               <a:ext uri="{FF2B5EF4-FFF2-40B4-BE49-F238E27FC236}">
-                <a16:creationId xmlns:a16="http://schemas.microsoft.com/office/drawing/2014/main" xmlns="" id="{61B9D33F-674D-4BA0-AF06-3F296A000270}"/>
+                <a16:creationId xmlns:a16="http://schemas.microsoft.com/office/drawing/2014/main" id="{61B9D33F-674D-4BA0-AF06-3F296A000270}"/>
               </a:ext>
             </a:extLst>
           </p:cNvPr>
@@ -13964,7 +13960,7 @@
           <p:cNvPr id="20" name="TextBox 19">
             <a:extLst>
               <a:ext uri="{FF2B5EF4-FFF2-40B4-BE49-F238E27FC236}">
-                <a16:creationId xmlns:a16="http://schemas.microsoft.com/office/drawing/2014/main" xmlns="" id="{B31EAA75-2691-4654-9C7E-8FCC9A93B828}"/>
+                <a16:creationId xmlns:a16="http://schemas.microsoft.com/office/drawing/2014/main" id="{B31EAA75-2691-4654-9C7E-8FCC9A93B828}"/>
               </a:ext>
             </a:extLst>
           </p:cNvPr>
@@ -14007,7 +14003,7 @@
   <p:timing>
     <p:tnLst>
       <p:par>
-        <p:cTn xmlns:p14="http://schemas.microsoft.com/office/powerpoint/2010/main" id="1" dur="indefinite" restart="never" nodeType="tmRoot">
+        <p:cTn id="1" dur="indefinite" restart="never" nodeType="tmRoot">
           <p:childTnLst>
             <p:seq concurrent="1" nextAc="seek">
               <p:cTn id="2" dur="indefinite" nodeType="mainSeq">
@@ -14253,10 +14249,10 @@
           <p:cNvPr id="29" name="Rectangle 28">
             <a:extLst>
               <a:ext uri="{FF2B5EF4-FFF2-40B4-BE49-F238E27FC236}">
-                <a16:creationId xmlns:a16="http://schemas.microsoft.com/office/drawing/2014/main" xmlns="" id="{91F32EBA-ED97-466E-8CFA-8382584155D0}"/>
+                <a16:creationId xmlns:a16="http://schemas.microsoft.com/office/drawing/2014/main" id="{91F32EBA-ED97-466E-8CFA-8382584155D0}"/>
               </a:ext>
               <a:ext uri="{C183D7F6-B498-43B3-948B-1728B52AA6E4}">
-                <adec:decorative xmlns:adec="http://schemas.microsoft.com/office/drawing/2017/decorative" xmlns="" val="1"/>
+                <adec:decorative xmlns:adec="http://schemas.microsoft.com/office/drawing/2017/decorative" val="1"/>
               </a:ext>
             </a:extLst>
           </p:cNvPr>
@@ -14266,7 +14262,7 @@
           <p:nvPr>
             <p:extLst>
               <p:ext uri="{386F3935-93C4-4BCD-93E2-E3B085C9AB24}">
-                <p16:designElem xmlns:p16="http://schemas.microsoft.com/office/powerpoint/2015/main" xmlns="" val="1"/>
+                <p16:designElem xmlns:p16="http://schemas.microsoft.com/office/powerpoint/2015/main" val="1"/>
               </p:ext>
             </p:extLst>
           </p:nvPr>
@@ -14342,7 +14338,7 @@
           <p:cNvPr id="2" name="TextBox 1">
             <a:extLst>
               <a:ext uri="{FF2B5EF4-FFF2-40B4-BE49-F238E27FC236}">
-                <a16:creationId xmlns:a16="http://schemas.microsoft.com/office/drawing/2014/main" xmlns="" id="{F555FB54-7145-41A4-B7AC-80E889E6930E}"/>
+                <a16:creationId xmlns:a16="http://schemas.microsoft.com/office/drawing/2014/main" id="{F555FB54-7145-41A4-B7AC-80E889E6930E}"/>
               </a:ext>
             </a:extLst>
           </p:cNvPr>
@@ -14421,10 +14417,10 @@
           <p:cNvPr id="31" name="Freeform: Shape 30">
             <a:extLst>
               <a:ext uri="{FF2B5EF4-FFF2-40B4-BE49-F238E27FC236}">
-                <a16:creationId xmlns:a16="http://schemas.microsoft.com/office/drawing/2014/main" xmlns="" id="{62A38935-BB53-4DF7-A56E-48DD25B685D7}"/>
+                <a16:creationId xmlns:a16="http://schemas.microsoft.com/office/drawing/2014/main" id="{62A38935-BB53-4DF7-A56E-48DD25B685D7}"/>
               </a:ext>
               <a:ext uri="{C183D7F6-B498-43B3-948B-1728B52AA6E4}">
-                <adec:decorative xmlns:adec="http://schemas.microsoft.com/office/drawing/2017/decorative" xmlns="" val="1"/>
+                <adec:decorative xmlns:adec="http://schemas.microsoft.com/office/drawing/2017/decorative" val="1"/>
               </a:ext>
             </a:extLst>
           </p:cNvPr>
@@ -14434,7 +14430,7 @@
           <p:nvPr>
             <p:extLst>
               <p:ext uri="{386F3935-93C4-4BCD-93E2-E3B085C9AB24}">
-                <p16:designElem xmlns:p16="http://schemas.microsoft.com/office/powerpoint/2015/main" xmlns="" val="1"/>
+                <p16:designElem xmlns:p16="http://schemas.microsoft.com/office/powerpoint/2015/main" val="1"/>
               </p:ext>
             </p:extLst>
           </p:nvPr>
@@ -15224,7 +15220,7 @@
           <p:cNvPr id="23" name="Graphic 5" descr="Cmd Terminal outline">
             <a:extLst>
               <a:ext uri="{FF2B5EF4-FFF2-40B4-BE49-F238E27FC236}">
-                <a16:creationId xmlns:a16="http://schemas.microsoft.com/office/drawing/2014/main" xmlns="" id="{B5C9A296-4AD9-4D40-87ED-1242EE6EE8FE}"/>
+                <a16:creationId xmlns:a16="http://schemas.microsoft.com/office/drawing/2014/main" id="{B5C9A296-4AD9-4D40-87ED-1242EE6EE8FE}"/>
               </a:ext>
             </a:extLst>
           </p:cNvPr>
@@ -15237,7 +15233,7 @@
           <a:blip r:embed="rId2">
             <a:extLst>
               <a:ext uri="{96DAC541-7B7A-43D3-8B79-37D633B846F1}">
-                <asvg:svgBlip xmlns:asvg="http://schemas.microsoft.com/office/drawing/2016/SVG/main" xmlns="" r:embed="rId3"/>
+                <asvg:svgBlip xmlns:asvg="http://schemas.microsoft.com/office/drawing/2016/SVG/main" r:embed="rId3"/>
               </a:ext>
             </a:extLst>
           </a:blip>
